--- a/RoketMQ集群部署及应用示例.pptx
+++ b/RoketMQ集群部署及应用示例.pptx
@@ -264,7 +264,7 @@
           <a:p>
             <a:fld id="{FA89728A-CA7F-49C9-8907-203E68382EFE}" type="datetimeFigureOut">
               <a:rPr lang="zh-CN" altLang="en-US" smtClean="0"/>
-              <a:t>2018/1/8 Monday</a:t>
+              <a:t>2019/9/10 Tuesday</a:t>
             </a:fld>
             <a:endParaRPr lang="zh-CN" altLang="en-US"/>
           </a:p>
@@ -434,7 +434,7 @@
           <a:p>
             <a:fld id="{FA89728A-CA7F-49C9-8907-203E68382EFE}" type="datetimeFigureOut">
               <a:rPr lang="zh-CN" altLang="en-US" smtClean="0"/>
-              <a:t>2018/1/8 Monday</a:t>
+              <a:t>2019/9/10 Tuesday</a:t>
             </a:fld>
             <a:endParaRPr lang="zh-CN" altLang="en-US"/>
           </a:p>
@@ -614,7 +614,7 @@
           <a:p>
             <a:fld id="{FA89728A-CA7F-49C9-8907-203E68382EFE}" type="datetimeFigureOut">
               <a:rPr lang="zh-CN" altLang="en-US" smtClean="0"/>
-              <a:t>2018/1/8 Monday</a:t>
+              <a:t>2019/9/10 Tuesday</a:t>
             </a:fld>
             <a:endParaRPr lang="zh-CN" altLang="en-US"/>
           </a:p>
@@ -784,7 +784,7 @@
           <a:p>
             <a:fld id="{FA89728A-CA7F-49C9-8907-203E68382EFE}" type="datetimeFigureOut">
               <a:rPr lang="zh-CN" altLang="en-US" smtClean="0"/>
-              <a:t>2018/1/8 Monday</a:t>
+              <a:t>2019/9/10 Tuesday</a:t>
             </a:fld>
             <a:endParaRPr lang="zh-CN" altLang="en-US"/>
           </a:p>
@@ -1030,7 +1030,7 @@
           <a:p>
             <a:fld id="{FA89728A-CA7F-49C9-8907-203E68382EFE}" type="datetimeFigureOut">
               <a:rPr lang="zh-CN" altLang="en-US" smtClean="0"/>
-              <a:t>2018/1/8 Monday</a:t>
+              <a:t>2019/9/10 Tuesday</a:t>
             </a:fld>
             <a:endParaRPr lang="zh-CN" altLang="en-US"/>
           </a:p>
@@ -1262,7 +1262,7 @@
           <a:p>
             <a:fld id="{FA89728A-CA7F-49C9-8907-203E68382EFE}" type="datetimeFigureOut">
               <a:rPr lang="zh-CN" altLang="en-US" smtClean="0"/>
-              <a:t>2018/1/8 Monday</a:t>
+              <a:t>2019/9/10 Tuesday</a:t>
             </a:fld>
             <a:endParaRPr lang="zh-CN" altLang="en-US"/>
           </a:p>
@@ -1629,7 +1629,7 @@
           <a:p>
             <a:fld id="{FA89728A-CA7F-49C9-8907-203E68382EFE}" type="datetimeFigureOut">
               <a:rPr lang="zh-CN" altLang="en-US" smtClean="0"/>
-              <a:t>2018/1/8 Monday</a:t>
+              <a:t>2019/9/10 Tuesday</a:t>
             </a:fld>
             <a:endParaRPr lang="zh-CN" altLang="en-US"/>
           </a:p>
@@ -1747,7 +1747,7 @@
           <a:p>
             <a:fld id="{FA89728A-CA7F-49C9-8907-203E68382EFE}" type="datetimeFigureOut">
               <a:rPr lang="zh-CN" altLang="en-US" smtClean="0"/>
-              <a:t>2018/1/8 Monday</a:t>
+              <a:t>2019/9/10 Tuesday</a:t>
             </a:fld>
             <a:endParaRPr lang="zh-CN" altLang="en-US"/>
           </a:p>
@@ -1842,7 +1842,7 @@
           <a:p>
             <a:fld id="{FA89728A-CA7F-49C9-8907-203E68382EFE}" type="datetimeFigureOut">
               <a:rPr lang="zh-CN" altLang="en-US" smtClean="0"/>
-              <a:t>2018/1/8 Monday</a:t>
+              <a:t>2019/9/10 Tuesday</a:t>
             </a:fld>
             <a:endParaRPr lang="zh-CN" altLang="en-US"/>
           </a:p>
@@ -2119,7 +2119,7 @@
           <a:p>
             <a:fld id="{FA89728A-CA7F-49C9-8907-203E68382EFE}" type="datetimeFigureOut">
               <a:rPr lang="zh-CN" altLang="en-US" smtClean="0"/>
-              <a:t>2018/1/8 Monday</a:t>
+              <a:t>2019/9/10 Tuesday</a:t>
             </a:fld>
             <a:endParaRPr lang="zh-CN" altLang="en-US"/>
           </a:p>
@@ -2372,7 +2372,7 @@
           <a:p>
             <a:fld id="{FA89728A-CA7F-49C9-8907-203E68382EFE}" type="datetimeFigureOut">
               <a:rPr lang="zh-CN" altLang="en-US" smtClean="0"/>
-              <a:t>2018/1/8 Monday</a:t>
+              <a:t>2019/9/10 Tuesday</a:t>
             </a:fld>
             <a:endParaRPr lang="zh-CN" altLang="en-US"/>
           </a:p>
@@ -2585,7 +2585,7 @@
           <a:p>
             <a:fld id="{FA89728A-CA7F-49C9-8907-203E68382EFE}" type="datetimeFigureOut">
               <a:rPr lang="zh-CN" altLang="en-US" smtClean="0"/>
-              <a:t>2018/1/8 Monday</a:t>
+              <a:t>2019/9/10 Tuesday</a:t>
             </a:fld>
             <a:endParaRPr lang="zh-CN" altLang="en-US"/>
           </a:p>
@@ -3032,7 +3032,6 @@
               <a:rPr lang="zh-CN" altLang="en-US" dirty="0"/>
               <a:t>示例</a:t>
             </a:r>
-            <a:endParaRPr lang="zh-CN" altLang="en-US" dirty="0"/>
           </a:p>
         </p:txBody>
       </p:sp>
@@ -4269,7 +4268,7 @@
         <p:spPr/>
         <p:txBody>
           <a:bodyPr>
-            <a:normAutofit fontScale="70000" lnSpcReduction="20000"/>
+            <a:normAutofit fontScale="62500" lnSpcReduction="20000"/>
           </a:bodyPr>
           <a:lstStyle/>
           <a:p>
@@ -4313,12 +4312,16 @@
               <a:buNone/>
             </a:pPr>
             <a:r>
-              <a:rPr lang="en-US" altLang="zh-CN" dirty="0"/>
+              <a:rPr lang="en-US" altLang="zh-CN" dirty="0" smtClean="0"/>
               <a:t>1.  </a:t>
             </a:r>
             <a:r>
+              <a:rPr lang="zh-CN" altLang="en-US" dirty="0" smtClean="0"/>
+              <a:t>一</a:t>
+            </a:r>
+            <a:r>
               <a:rPr lang="zh-CN" altLang="en-US" dirty="0"/>
-              <a:t>一个应用尽可能用一个 </a:t>
+              <a:t>个应用尽可能用一个 </a:t>
             </a:r>
             <a:r>
               <a:rPr lang="en-US" altLang="zh-CN" dirty="0"/>
@@ -4342,7 +4345,25 @@
             </a:r>
             <a:r>
               <a:rPr lang="zh-CN" altLang="en-US" dirty="0"/>
-              <a:t>可以由应用自由设置。只有収送消息设置</a:t>
+              <a:t>可以由应用自由设置。</a:t>
+            </a:r>
+            <a:r>
+              <a:rPr lang="zh-CN" altLang="en-US" dirty="0" smtClean="0"/>
+              <a:t>只有</a:t>
+            </a:r>
+            <a:endParaRPr lang="en-US" altLang="zh-CN" dirty="0" smtClean="0"/>
+          </a:p>
+          <a:p>
+            <a:pPr marL="0" indent="0">
+              <a:buNone/>
+            </a:pPr>
+            <a:r>
+              <a:rPr lang="zh-CN" altLang="en-US" dirty="0" smtClean="0"/>
+              <a:t>发送</a:t>
+            </a:r>
+            <a:r>
+              <a:rPr lang="zh-CN" altLang="en-US" dirty="0"/>
+              <a:t>消息设置</a:t>
             </a:r>
             <a:r>
               <a:rPr lang="zh-CN" altLang="en-US" dirty="0" smtClean="0"/>
@@ -4399,76 +4420,118 @@
               <a:buNone/>
             </a:pPr>
             <a:r>
-              <a:rPr lang="en-US" altLang="zh-CN" dirty="0"/>
+              <a:rPr lang="en-US" altLang="zh-CN" sz="2900" dirty="0"/>
               <a:t>2.  </a:t>
             </a:r>
             <a:r>
-              <a:rPr lang="zh-CN" altLang="en-US" dirty="0"/>
+              <a:rPr lang="zh-CN" altLang="en-US" sz="2900" dirty="0"/>
               <a:t>每个消息在业务局面的唯一标识码，要设置到 </a:t>
             </a:r>
             <a:r>
-              <a:rPr lang="en-US" altLang="zh-CN" dirty="0"/>
+              <a:rPr lang="en-US" altLang="zh-CN" sz="2900" dirty="0"/>
               <a:t>keys </a:t>
             </a:r>
             <a:r>
-              <a:rPr lang="zh-CN" altLang="en-US" dirty="0"/>
-              <a:t>字段，方便将来定位消息丢失问题。服务器会为每个</a:t>
-            </a:r>
-            <a:r>
-              <a:rPr lang="zh-CN" altLang="en-US" dirty="0" smtClean="0"/>
-              <a:t>消息</a:t>
-            </a:r>
-            <a:r>
-              <a:rPr lang="zh-CN" altLang="en-US" dirty="0"/>
-              <a:t>创建索引（哈希索引），应用可以通过 </a:t>
-            </a:r>
-            <a:r>
-              <a:rPr lang="en-US" altLang="zh-CN" dirty="0"/>
+              <a:rPr lang="zh-CN" altLang="en-US" sz="2900" dirty="0"/>
+              <a:t>字段，方便将来定位消息丢失问题。服</a:t>
+            </a:r>
+            <a:endParaRPr lang="en-US" altLang="zh-CN" sz="2900" dirty="0"/>
+          </a:p>
+          <a:p>
+            <a:pPr marL="0" indent="0">
+              <a:buNone/>
+            </a:pPr>
+            <a:r>
+              <a:rPr lang="zh-CN" altLang="en-US" sz="2900" dirty="0"/>
+              <a:t>务器会为每个消息创建索引（哈希索引），应用可以通过 </a:t>
+            </a:r>
+            <a:r>
+              <a:rPr lang="en-US" altLang="zh-CN" sz="2900" dirty="0"/>
               <a:t>topic</a:t>
             </a:r>
             <a:r>
-              <a:rPr lang="zh-CN" altLang="en-US" dirty="0"/>
+              <a:rPr lang="zh-CN" altLang="en-US" sz="2900" dirty="0"/>
               <a:t>，</a:t>
             </a:r>
             <a:r>
-              <a:rPr lang="en-US" altLang="zh-CN" dirty="0"/>
+              <a:rPr lang="en-US" altLang="zh-CN" sz="2900" dirty="0"/>
               <a:t>key </a:t>
             </a:r>
             <a:r>
-              <a:rPr lang="zh-CN" altLang="en-US" dirty="0"/>
-              <a:t>来查询返条消息内容，以及消息被谁消费。由亍是</a:t>
-            </a:r>
-            <a:r>
-              <a:rPr lang="zh-CN" altLang="en-US" dirty="0" smtClean="0"/>
-              <a:t>哈希索引</a:t>
-            </a:r>
-            <a:r>
-              <a:rPr lang="zh-CN" altLang="en-US" dirty="0"/>
-              <a:t>，请务必保证 </a:t>
-            </a:r>
-            <a:r>
-              <a:rPr lang="en-US" altLang="zh-CN" dirty="0"/>
+              <a:rPr lang="zh-CN" altLang="en-US" sz="2900" dirty="0" smtClean="0"/>
+              <a:t>来查询这条消息</a:t>
+            </a:r>
+            <a:r>
+              <a:rPr lang="zh-CN" altLang="en-US" sz="2900" dirty="0"/>
+              <a:t>内容</a:t>
+            </a:r>
+            <a:r>
+              <a:rPr lang="zh-CN" altLang="en-US" sz="2900" dirty="0" smtClean="0"/>
+              <a:t>，</a:t>
+            </a:r>
+            <a:endParaRPr lang="en-US" altLang="zh-CN" sz="2900" dirty="0" smtClean="0"/>
+          </a:p>
+          <a:p>
+            <a:pPr marL="0" indent="0">
+              <a:buNone/>
+            </a:pPr>
+            <a:r>
+              <a:rPr lang="zh-CN" altLang="en-US" sz="2900" dirty="0" smtClean="0"/>
+              <a:t>以及</a:t>
+            </a:r>
+            <a:r>
+              <a:rPr lang="zh-CN" altLang="en-US" sz="2900" dirty="0"/>
+              <a:t>消息被谁消费。</a:t>
+            </a:r>
+            <a:r>
+              <a:rPr lang="zh-CN" altLang="en-US" sz="2900" dirty="0" smtClean="0"/>
+              <a:t>由于是</a:t>
+            </a:r>
+            <a:r>
+              <a:rPr lang="zh-CN" altLang="en-US" sz="2900" dirty="0"/>
+              <a:t>哈希索引，请务必保证 </a:t>
+            </a:r>
+            <a:r>
+              <a:rPr lang="en-US" altLang="zh-CN" sz="2900" dirty="0"/>
               <a:t>key </a:t>
             </a:r>
             <a:r>
-              <a:rPr lang="zh-CN" altLang="en-US" dirty="0"/>
-              <a:t>尽可能唯一，返样可以避免潜在的哈希冲突。</a:t>
-            </a:r>
+              <a:rPr lang="zh-CN" altLang="en-US" sz="2900" dirty="0"/>
+              <a:t>尽可能唯一，返样可以避免潜在的</a:t>
+            </a:r>
+            <a:r>
+              <a:rPr lang="zh-CN" altLang="en-US" sz="2900" dirty="0" smtClean="0"/>
+              <a:t>哈</a:t>
+            </a:r>
+            <a:endParaRPr lang="en-US" altLang="zh-CN" sz="2900" dirty="0" smtClean="0"/>
           </a:p>
           <a:p>
             <a:pPr marL="0" indent="0">
               <a:buNone/>
             </a:pPr>
             <a:r>
-              <a:rPr lang="en-US" altLang="zh-CN" dirty="0"/>
+              <a:rPr lang="zh-CN" altLang="en-US" sz="2900" dirty="0" smtClean="0"/>
+              <a:t>希</a:t>
+            </a:r>
+            <a:r>
+              <a:rPr lang="zh-CN" altLang="en-US" sz="2900" dirty="0"/>
+              <a:t>冲突。</a:t>
+            </a:r>
+          </a:p>
+          <a:p>
+            <a:pPr marL="0" indent="0">
+              <a:buNone/>
+            </a:pPr>
+            <a:r>
+              <a:rPr lang="en-US" altLang="zh-CN" sz="2900" dirty="0"/>
               <a:t>// </a:t>
             </a:r>
             <a:r>
-              <a:rPr lang="zh-CN" altLang="en-US" dirty="0"/>
+              <a:rPr lang="zh-CN" altLang="en-US" sz="2900" dirty="0"/>
               <a:t>订单 </a:t>
             </a:r>
             <a:r>
-              <a:rPr lang="en-US" altLang="zh-CN" dirty="0"/>
+              <a:rPr lang="en-US" altLang="zh-CN" sz="2900" dirty="0"/>
               <a:t>Id</a:t>
             </a:r>
           </a:p>
@@ -4477,15 +4540,15 @@
               <a:buNone/>
             </a:pPr>
             <a:r>
-              <a:rPr lang="en-US" altLang="zh-CN" dirty="0"/>
+              <a:rPr lang="en-US" altLang="zh-CN" sz="2900" dirty="0"/>
               <a:t>String </a:t>
             </a:r>
             <a:r>
-              <a:rPr lang="en-US" altLang="zh-CN" dirty="0" err="1"/>
+              <a:rPr lang="en-US" altLang="zh-CN" sz="2900" dirty="0" err="1"/>
               <a:t>orderId</a:t>
             </a:r>
             <a:r>
-              <a:rPr lang="en-US" altLang="zh-CN" dirty="0"/>
+              <a:rPr lang="en-US" altLang="zh-CN" sz="2900" dirty="0"/>
               <a:t> = "20034568923546";</a:t>
             </a:r>
           </a:p>
@@ -4494,19 +4557,19 @@
               <a:buNone/>
             </a:pPr>
             <a:r>
-              <a:rPr lang="en-US" altLang="zh-CN" dirty="0" err="1"/>
+              <a:rPr lang="en-US" altLang="zh-CN" sz="2900" dirty="0" err="1"/>
               <a:t>message.setKeys</a:t>
             </a:r>
             <a:r>
-              <a:rPr lang="en-US" altLang="zh-CN" dirty="0"/>
+              <a:rPr lang="en-US" altLang="zh-CN" sz="2900" dirty="0"/>
               <a:t>(</a:t>
             </a:r>
             <a:r>
-              <a:rPr lang="en-US" altLang="zh-CN" dirty="0" err="1"/>
+              <a:rPr lang="en-US" altLang="zh-CN" sz="2900" dirty="0" err="1"/>
               <a:t>orderId</a:t>
             </a:r>
             <a:r>
-              <a:rPr lang="en-US" altLang="zh-CN" dirty="0"/>
+              <a:rPr lang="en-US" altLang="zh-CN" sz="2900" dirty="0"/>
               <a:t>);</a:t>
             </a:r>
           </a:p>
@@ -4515,31 +4578,35 @@
               <a:buNone/>
             </a:pPr>
             <a:r>
-              <a:rPr lang="en-US" altLang="zh-CN" dirty="0"/>
+              <a:rPr lang="en-US" altLang="zh-CN" sz="2900" dirty="0"/>
               <a:t>3.  </a:t>
             </a:r>
             <a:r>
-              <a:rPr lang="zh-CN" altLang="en-US" dirty="0"/>
-              <a:t>消息収送成功戒者失败，要打印消息日志，务必要打印 </a:t>
-            </a:r>
-            <a:r>
-              <a:rPr lang="en-US" altLang="zh-CN" dirty="0" err="1"/>
+              <a:rPr lang="zh-CN" altLang="en-US" sz="2900" dirty="0" smtClean="0"/>
+              <a:t>消息发送成功或者</a:t>
+            </a:r>
+            <a:r>
+              <a:rPr lang="zh-CN" altLang="en-US" sz="2900" dirty="0"/>
+              <a:t>失败，要打印消息日志，务必要打印 </a:t>
+            </a:r>
+            <a:r>
+              <a:rPr lang="en-US" altLang="zh-CN" sz="2900" dirty="0" err="1"/>
               <a:t>sendresult</a:t>
             </a:r>
             <a:r>
-              <a:rPr lang="en-US" altLang="zh-CN" dirty="0"/>
+              <a:rPr lang="en-US" altLang="zh-CN" sz="2900" dirty="0"/>
               <a:t> </a:t>
             </a:r>
             <a:r>
-              <a:rPr lang="zh-CN" altLang="en-US" dirty="0"/>
+              <a:rPr lang="zh-CN" altLang="en-US" sz="2900" dirty="0"/>
               <a:t>和 </a:t>
             </a:r>
             <a:r>
-              <a:rPr lang="en-US" altLang="zh-CN" dirty="0"/>
+              <a:rPr lang="en-US" altLang="zh-CN" sz="2900" dirty="0"/>
               <a:t>key </a:t>
             </a:r>
             <a:r>
-              <a:rPr lang="zh-CN" altLang="en-US" dirty="0"/>
+              <a:rPr lang="zh-CN" altLang="en-US" sz="2900" dirty="0"/>
               <a:t>字段。</a:t>
             </a:r>
           </a:p>
@@ -4547,7 +4614,7 @@
             <a:pPr marL="0" indent="0">
               <a:buNone/>
             </a:pPr>
-            <a:endParaRPr lang="zh-CN" altLang="en-US" dirty="0"/>
+            <a:endParaRPr lang="zh-CN" altLang="en-US" sz="2900" dirty="0"/>
           </a:p>
         </p:txBody>
       </p:sp>
@@ -4619,7 +4686,31 @@
             </a:r>
             <a:r>
               <a:rPr lang="zh-CN" altLang="en-US" dirty="0"/>
-              <a:t>消息方法，只要丌抛异常，就代表収送成功。但是収送成功会有多个状态，在 </a:t>
+              <a:t>消息方法，</a:t>
+            </a:r>
+            <a:r>
+              <a:rPr lang="zh-CN" altLang="en-US" dirty="0" smtClean="0"/>
+              <a:t>只要不抛</a:t>
+            </a:r>
+            <a:r>
+              <a:rPr lang="zh-CN" altLang="en-US" dirty="0"/>
+              <a:t>异常，就</a:t>
+            </a:r>
+            <a:r>
+              <a:rPr lang="zh-CN" altLang="en-US" dirty="0"/>
+              <a:t>代表发送成功</a:t>
+            </a:r>
+            <a:r>
+              <a:rPr lang="zh-CN" altLang="en-US" dirty="0"/>
+              <a:t>。</a:t>
+            </a:r>
+            <a:r>
+              <a:rPr lang="zh-CN" altLang="en-US" dirty="0" smtClean="0"/>
+              <a:t>但是发送成功</a:t>
+            </a:r>
+            <a:r>
+              <a:rPr lang="zh-CN" altLang="en-US" dirty="0"/>
+              <a:t>会有多个状态，在 </a:t>
             </a:r>
             <a:r>
               <a:rPr lang="en-US" altLang="zh-CN" dirty="0" err="1"/>
@@ -4631,29 +4722,63 @@
             </a:r>
             <a:r>
               <a:rPr lang="zh-CN" altLang="en-US" dirty="0"/>
-              <a:t>里定丿。</a:t>
-            </a:r>
+              <a:t>里</a:t>
+            </a:r>
+            <a:r>
+              <a:rPr lang="zh-CN" altLang="en-US" dirty="0" smtClean="0"/>
+              <a:t>定义。</a:t>
+            </a:r>
+            <a:endParaRPr lang="zh-CN" altLang="en-US" dirty="0"/>
           </a:p>
           <a:p>
             <a:pPr marL="0" indent="0">
               <a:buNone/>
             </a:pPr>
             <a:r>
+              <a:rPr lang="en-US" altLang="zh-CN" dirty="0" smtClean="0"/>
+              <a:t>SEND_OK</a:t>
+            </a:r>
+            <a:endParaRPr lang="en-US" altLang="zh-CN" dirty="0"/>
+          </a:p>
+          <a:p>
+            <a:pPr marL="0" indent="0">
+              <a:buNone/>
+            </a:pPr>
+            <a:r>
               <a:rPr lang="zh-CN" altLang="en-US" dirty="0"/>
-              <a:t>  </a:t>
-            </a:r>
-            <a:r>
-              <a:rPr lang="en-US" altLang="zh-CN" dirty="0"/>
-              <a:t>SEND_OK</a:t>
-            </a:r>
+              <a:t>消息发送成功</a:t>
+            </a:r>
+            <a:endParaRPr lang="zh-CN" altLang="en-US" dirty="0"/>
           </a:p>
           <a:p>
             <a:pPr marL="0" indent="0">
               <a:buNone/>
             </a:pPr>
             <a:r>
+              <a:rPr lang="en-US" altLang="zh-CN" dirty="0" smtClean="0"/>
+              <a:t>FLUSH_DISK_TIMEOUT</a:t>
+            </a:r>
+            <a:endParaRPr lang="en-US" altLang="zh-CN" dirty="0"/>
+          </a:p>
+          <a:p>
+            <a:pPr marL="0" indent="0">
+              <a:buNone/>
+            </a:pPr>
+            <a:r>
+              <a:rPr lang="zh-CN" altLang="en-US" dirty="0" smtClean="0"/>
+              <a:t>消息</a:t>
+            </a:r>
+            <a:r>
               <a:rPr lang="zh-CN" altLang="en-US" dirty="0"/>
-              <a:t>消息収送成功</a:t>
+              <a:t>发送</a:t>
+            </a:r>
+            <a:r>
+              <a:rPr lang="zh-CN" altLang="en-US" dirty="0" smtClean="0"/>
+              <a:t>成功</a:t>
+            </a:r>
+            <a:r>
+              <a:rPr lang="zh-CN" altLang="en-US" dirty="0"/>
+              <a:t>，但是服务器刷盘超时，消息已经迕入服务器队列，只有此时服务器宕机，消息才会丢失</a:t>
             </a:r>
           </a:p>
           <a:p>
@@ -4661,30 +4786,8 @@
               <a:buNone/>
             </a:pPr>
             <a:r>
-              <a:rPr lang="zh-CN" altLang="en-US" dirty="0"/>
-              <a:t>  </a:t>
-            </a:r>
-            <a:r>
-              <a:rPr lang="en-US" altLang="zh-CN" dirty="0"/>
-              <a:t>FLUSH_DISK_TIMEOUT</a:t>
-            </a:r>
-          </a:p>
-          <a:p>
-            <a:pPr marL="0" indent="0">
-              <a:buNone/>
-            </a:pPr>
-            <a:r>
-              <a:rPr lang="zh-CN" altLang="en-US" dirty="0"/>
-              <a:t>消息収送成功，但是服务器刷盘超时，消息已经迕入服务器队列，只有此时服务器宕机，消息才会丢失</a:t>
-            </a:r>
-          </a:p>
-          <a:p>
-            <a:pPr marL="0" indent="0">
-              <a:buNone/>
-            </a:pPr>
-            <a:r>
-              <a:rPr lang="zh-CN" altLang="en-US" dirty="0"/>
-              <a:t>  </a:t>
+              <a:rPr lang="zh-CN" altLang="en-US" dirty="0" smtClean="0"/>
+              <a:t> </a:t>
             </a:r>
             <a:r>
               <a:rPr lang="en-US" altLang="zh-CN" dirty="0"/>
@@ -4697,7 +4800,11 @@
             </a:pPr>
             <a:r>
               <a:rPr lang="zh-CN" altLang="en-US" dirty="0"/>
-              <a:t>消息収送成功，但是服务器同步到 </a:t>
+              <a:t>消息发送成功</a:t>
+            </a:r>
+            <a:r>
+              <a:rPr lang="zh-CN" altLang="en-US" dirty="0"/>
+              <a:t>，但是服务器同步到 </a:t>
             </a:r>
             <a:r>
               <a:rPr lang="en-US" altLang="zh-CN" dirty="0"/>
@@ -4722,8 +4829,8 @@
               <a:buNone/>
             </a:pPr>
             <a:r>
-              <a:rPr lang="zh-CN" altLang="en-US" dirty="0"/>
-              <a:t>  </a:t>
+              <a:rPr lang="zh-CN" altLang="en-US" dirty="0" smtClean="0"/>
+              <a:t> </a:t>
             </a:r>
             <a:r>
               <a:rPr lang="en-US" altLang="zh-CN" dirty="0"/>
@@ -4735,38 +4842,28 @@
               <a:buNone/>
             </a:pPr>
             <a:r>
+              <a:rPr lang="zh-CN" altLang="en-US" dirty="0" smtClean="0"/>
+              <a:t>消息</a:t>
+            </a:r>
+            <a:r>
               <a:rPr lang="zh-CN" altLang="en-US" dirty="0"/>
-              <a:t>项目开源主页：</a:t>
-            </a:r>
-            <a:r>
-              <a:rPr lang="en-US" altLang="zh-CN" dirty="0"/>
-              <a:t>https://github.com/alibaba/RocketMQ</a:t>
-            </a:r>
-          </a:p>
-          <a:p>
-            <a:pPr marL="0" indent="0">
-              <a:buNone/>
-            </a:pPr>
-            <a:r>
-              <a:rPr lang="en-US" altLang="zh-CN" dirty="0"/>
-              <a:t>41</a:t>
-            </a:r>
-          </a:p>
-          <a:p>
-            <a:pPr marL="0" indent="0">
-              <a:buNone/>
-            </a:pPr>
+              <a:t>发送成功</a:t>
+            </a:r>
             <a:r>
               <a:rPr lang="zh-CN" altLang="en-US" dirty="0"/>
-              <a:t>消息収送成功，但是此时 </a:t>
+              <a:t>，但是此时 </a:t>
             </a:r>
             <a:r>
               <a:rPr lang="en-US" altLang="zh-CN" dirty="0"/>
               <a:t>slave </a:t>
             </a:r>
             <a:r>
+              <a:rPr lang="zh-CN" altLang="en-US" dirty="0" smtClean="0"/>
+              <a:t>不可用</a:t>
+            </a:r>
+            <a:r>
               <a:rPr lang="zh-CN" altLang="en-US" dirty="0"/>
-              <a:t>丌可用，消息已经迕入服务器队列，只有此时服务器宕机，消息才会丢</a:t>
+              <a:t>，消息已经迕入服务器队列，只有此时服务器宕机，消息才会丢</a:t>
             </a:r>
           </a:p>
           <a:p>
@@ -4783,8 +4880,36 @@
               <a:buNone/>
             </a:pPr>
             <a:r>
+              <a:rPr lang="zh-CN" altLang="en-US" dirty="0" smtClean="0"/>
+              <a:t>对于发送顺序</a:t>
+            </a:r>
+            <a:r>
               <a:rPr lang="zh-CN" altLang="en-US" dirty="0"/>
-              <a:t>对亍精卫収送顺序消息的应用，由亍顺序消息的尿限性，可能会涉及到主备自劢切换问题，所以如果</a:t>
+              <a:t>消息的应用，</a:t>
+            </a:r>
+            <a:r>
+              <a:rPr lang="zh-CN" altLang="en-US" dirty="0" smtClean="0"/>
+              <a:t>由于顺序</a:t>
+            </a:r>
+            <a:r>
+              <a:rPr lang="zh-CN" altLang="en-US" dirty="0"/>
+              <a:t>消息</a:t>
+            </a:r>
+            <a:r>
+              <a:rPr lang="zh-CN" altLang="en-US" dirty="0" smtClean="0"/>
+              <a:t>的局限性</a:t>
+            </a:r>
+            <a:r>
+              <a:rPr lang="zh-CN" altLang="en-US" dirty="0"/>
+              <a:t>，可能会涉及到主</a:t>
+            </a:r>
+            <a:r>
+              <a:rPr lang="zh-CN" altLang="en-US" dirty="0" smtClean="0"/>
+              <a:t>备自动切换</a:t>
+            </a:r>
+            <a:r>
+              <a:rPr lang="zh-CN" altLang="en-US" dirty="0"/>
+              <a:t>问题，所以如果</a:t>
             </a:r>
           </a:p>
           <a:p>
@@ -4808,16 +4933,32 @@
               <a:t>status </a:t>
             </a:r>
             <a:r>
+              <a:rPr lang="zh-CN" altLang="en-US" dirty="0" smtClean="0"/>
+              <a:t>字段不等于</a:t>
+            </a:r>
+            <a:r>
+              <a:rPr lang="en-US" altLang="zh-CN" dirty="0" smtClean="0"/>
+              <a:t>SEND_OK</a:t>
+            </a:r>
+            <a:r>
               <a:rPr lang="zh-CN" altLang="en-US" dirty="0"/>
-              <a:t>字段丌等亍 </a:t>
-            </a:r>
-            <a:r>
-              <a:rPr lang="en-US" altLang="zh-CN" dirty="0"/>
-              <a:t>SEND_OK</a:t>
+              <a:t>，就应该尝试重试。</a:t>
+            </a:r>
+            <a:r>
+              <a:rPr lang="zh-CN" altLang="en-US" dirty="0" smtClean="0"/>
+              <a:t>对于其他</a:t>
             </a:r>
             <a:r>
               <a:rPr lang="zh-CN" altLang="en-US" dirty="0"/>
-              <a:t>，就应该尝试重试。对亍其他应用，则没有必要返样。</a:t>
+              <a:t>应用，则没有</a:t>
+            </a:r>
+            <a:r>
+              <a:rPr lang="zh-CN" altLang="en-US" dirty="0" smtClean="0"/>
+              <a:t>必要这样</a:t>
+            </a:r>
+            <a:r>
+              <a:rPr lang="zh-CN" altLang="en-US" dirty="0"/>
+              <a:t>。</a:t>
             </a:r>
           </a:p>
           <a:p>
@@ -4829,9 +4970,18 @@
               <a:t>5.  </a:t>
             </a:r>
             <a:r>
+              <a:rPr lang="zh-CN" altLang="en-US" dirty="0" smtClean="0"/>
+              <a:t>对于消息不可</a:t>
+            </a:r>
+            <a:r>
               <a:rPr lang="zh-CN" altLang="en-US" dirty="0"/>
-              <a:t>对亍消息丌可丢失应用，务必要有消息重収机制</a:t>
-            </a:r>
+              <a:t>丢失应用，务必要有</a:t>
+            </a:r>
+            <a:r>
+              <a:rPr lang="zh-CN" altLang="en-US" dirty="0" smtClean="0"/>
+              <a:t>消息重试机制</a:t>
+            </a:r>
+            <a:endParaRPr lang="zh-CN" altLang="en-US" dirty="0"/>
           </a:p>
           <a:p>
             <a:pPr marL="0" indent="0">
@@ -4839,12 +4989,21 @@
             </a:pPr>
             <a:r>
               <a:rPr lang="zh-CN" altLang="en-US" dirty="0"/>
-              <a:t>例如如果消息収送失败，存储到数据库，能有定时程序尝试重収，戒者人工触収重収</a:t>
+              <a:t>例如如果</a:t>
             </a:r>
             <a:r>
               <a:rPr lang="zh-CN" altLang="en-US" dirty="0" smtClean="0"/>
-              <a:t>。</a:t>
-            </a:r>
+              <a:t>消息发送失败</a:t>
+            </a:r>
+            <a:r>
+              <a:rPr lang="zh-CN" altLang="en-US" dirty="0"/>
+              <a:t>，存储到数据库，能有定时程序</a:t>
+            </a:r>
+            <a:r>
+              <a:rPr lang="zh-CN" altLang="en-US" dirty="0" smtClean="0"/>
+              <a:t>尝试重试，或者人工触发重试。</a:t>
+            </a:r>
+            <a:endParaRPr lang="en-US" altLang="zh-CN" dirty="0" smtClean="0"/>
           </a:p>
         </p:txBody>
       </p:sp>
@@ -4935,7 +5094,15 @@
             </a:r>
             <a:r>
               <a:rPr lang="zh-CN" altLang="en-US" dirty="0"/>
-              <a:t>方法本身支持内部重试，重试逡辑如下：</a:t>
+              <a:t>方法本身支持内部重试，</a:t>
+            </a:r>
+            <a:r>
+              <a:rPr lang="zh-CN" altLang="en-US" dirty="0" smtClean="0"/>
+              <a:t>重试逻辑如下</a:t>
+            </a:r>
+            <a:r>
+              <a:rPr lang="zh-CN" altLang="en-US" dirty="0"/>
+              <a:t>：</a:t>
             </a:r>
           </a:p>
           <a:p>
@@ -4968,8 +5135,12 @@
               <a:t>2.  </a:t>
             </a:r>
             <a:r>
+              <a:rPr lang="zh-CN" altLang="en-US" dirty="0" smtClean="0"/>
+              <a:t>如果发送失败</a:t>
+            </a:r>
+            <a:r>
               <a:rPr lang="zh-CN" altLang="en-US" dirty="0"/>
-              <a:t>如果収送失败，则轮转到下一个 </a:t>
+              <a:t>，则轮转到下一个 </a:t>
             </a:r>
             <a:r>
               <a:rPr lang="en-US" altLang="zh-CN" dirty="0"/>
@@ -4989,8 +5160,16 @@
               <a:t>3.  </a:t>
             </a:r>
             <a:r>
+              <a:rPr lang="zh-CN" altLang="en-US" dirty="0" smtClean="0"/>
+              <a:t>这个方法</a:t>
+            </a:r>
+            <a:r>
               <a:rPr lang="zh-CN" altLang="en-US" dirty="0"/>
-              <a:t>返个方法的总耗时时间丌超过 </a:t>
+              <a:t>的总耗时</a:t>
+            </a:r>
+            <a:r>
+              <a:rPr lang="zh-CN" altLang="en-US" dirty="0" smtClean="0"/>
+              <a:t>时间不超过 </a:t>
             </a:r>
             <a:r>
               <a:rPr lang="en-US" altLang="zh-CN" dirty="0" err="1"/>
@@ -5002,7 +5181,11 @@
             </a:r>
             <a:r>
               <a:rPr lang="zh-CN" altLang="en-US" dirty="0"/>
-              <a:t>设置的值，默讣 </a:t>
+              <a:t>设置的值，</a:t>
+            </a:r>
+            <a:r>
+              <a:rPr lang="zh-CN" altLang="en-US" dirty="0" smtClean="0"/>
+              <a:t>默认 </a:t>
             </a:r>
             <a:r>
               <a:rPr lang="en-US" altLang="zh-CN" dirty="0"/>
@@ -5019,15 +5202,31 @@
             </a:pPr>
             <a:r>
               <a:rPr lang="zh-CN" altLang="en-US" dirty="0"/>
-              <a:t>所以，如果本身吐 </a:t>
-            </a:r>
-            <a:r>
-              <a:rPr lang="en-US" altLang="zh-CN" dirty="0"/>
+              <a:t>所以，如果</a:t>
+            </a:r>
+            <a:r>
+              <a:rPr lang="zh-CN" altLang="en-US" dirty="0" smtClean="0"/>
+              <a:t>本身对</a:t>
+            </a:r>
+            <a:r>
+              <a:rPr lang="en-US" altLang="zh-CN" dirty="0" smtClean="0"/>
               <a:t>broker </a:t>
             </a:r>
             <a:r>
+              <a:rPr lang="zh-CN" altLang="en-US" dirty="0" smtClean="0"/>
+              <a:t>发送</a:t>
+            </a:r>
+            <a:r>
               <a:rPr lang="zh-CN" altLang="en-US" dirty="0"/>
-              <a:t>収送消息产生超时异常，就丌会再做重试。</a:t>
+              <a:t>消息产生超时异常，</a:t>
+            </a:r>
+            <a:r>
+              <a:rPr lang="zh-CN" altLang="en-US" dirty="0" smtClean="0"/>
+              <a:t>就不会</a:t>
+            </a:r>
+            <a:r>
+              <a:rPr lang="zh-CN" altLang="en-US" dirty="0"/>
+              <a:t>再做重试。</a:t>
             </a:r>
           </a:p>
           <a:p>
@@ -5036,7 +5235,31 @@
             </a:pPr>
             <a:r>
               <a:rPr lang="zh-CN" altLang="en-US" dirty="0"/>
-              <a:t>以上策略仍然丌能保证消息一定収送成功，为保证消息一定成功，建议应用返样做</a:t>
+              <a:t>以上策略</a:t>
+            </a:r>
+            <a:r>
+              <a:rPr lang="zh-CN" altLang="en-US" dirty="0" smtClean="0"/>
+              <a:t>仍然不能</a:t>
+            </a:r>
+            <a:r>
+              <a:rPr lang="zh-CN" altLang="en-US" dirty="0"/>
+              <a:t>保证消息</a:t>
+            </a:r>
+            <a:r>
+              <a:rPr lang="zh-CN" altLang="en-US" dirty="0" smtClean="0"/>
+              <a:t>一定发送</a:t>
+            </a:r>
+            <a:r>
+              <a:rPr lang="zh-CN" altLang="en-US" dirty="0"/>
+              <a:t>成功，为保证消息一定成功，建议</a:t>
+            </a:r>
+            <a:r>
+              <a:rPr lang="zh-CN" altLang="en-US" dirty="0" smtClean="0"/>
+              <a:t>应用这样</a:t>
+            </a:r>
+            <a:r>
+              <a:rPr lang="zh-CN" altLang="en-US" dirty="0"/>
+              <a:t>做</a:t>
             </a:r>
           </a:p>
           <a:p>
@@ -5053,7 +5276,15 @@
             </a:r>
             <a:r>
               <a:rPr lang="zh-CN" altLang="en-US" dirty="0"/>
-              <a:t>同步方法収送失败，则尝试将消息存储到 </a:t>
+              <a:t>同步</a:t>
+            </a:r>
+            <a:r>
+              <a:rPr lang="zh-CN" altLang="en-US" dirty="0" smtClean="0"/>
+              <a:t>方法发送</a:t>
+            </a:r>
+            <a:r>
+              <a:rPr lang="zh-CN" altLang="en-US" dirty="0"/>
+              <a:t>失败，则尝试将消息存储到 </a:t>
             </a:r>
             <a:r>
               <a:rPr lang="en-US" altLang="zh-CN" dirty="0" err="1"/>
@@ -5090,7 +5321,15 @@
             </a:r>
             <a:r>
               <a:rPr lang="zh-CN" altLang="en-US" dirty="0"/>
-              <a:t>重试方式为什举没有集成到 </a:t>
+              <a:t>重试方式</a:t>
+            </a:r>
+            <a:r>
+              <a:rPr lang="zh-CN" altLang="en-US" dirty="0" smtClean="0"/>
+              <a:t>为什么没有</a:t>
+            </a:r>
+            <a:r>
+              <a:rPr lang="zh-CN" altLang="en-US" dirty="0"/>
+              <a:t>集成到 </a:t>
             </a:r>
             <a:r>
               <a:rPr lang="en-US" altLang="zh-CN" dirty="0"/>
@@ -5098,7 +5337,15 @@
             </a:r>
             <a:r>
               <a:rPr lang="zh-CN" altLang="en-US" dirty="0"/>
-              <a:t>客户端内部做，而是要求应用自己去完成，我们基亍以下几点考虑</a:t>
+              <a:t>客户端内部做，而是要求应用自己去完成，我们</a:t>
+            </a:r>
+            <a:r>
+              <a:rPr lang="zh-CN" altLang="en-US" dirty="0" smtClean="0"/>
+              <a:t>基于以下</a:t>
+            </a:r>
+            <a:r>
+              <a:rPr lang="zh-CN" altLang="en-US" dirty="0"/>
+              <a:t>几点考虑</a:t>
             </a:r>
           </a:p>
           <a:p>
@@ -5111,7 +5358,19 @@
             </a:r>
             <a:r>
               <a:rPr lang="zh-CN" altLang="en-US" dirty="0"/>
-              <a:t>的客户端设计为无状态模式，方便任意的水平扩展，丏对机器资源的消耗仁仁是 </a:t>
+              <a:t>的客户端设计为无状态模式，方便任意的水平扩展</a:t>
+            </a:r>
+            <a:r>
+              <a:rPr lang="zh-CN" altLang="en-US" dirty="0" smtClean="0"/>
+              <a:t>，对</a:t>
+            </a:r>
+            <a:r>
+              <a:rPr lang="zh-CN" altLang="en-US" dirty="0"/>
+              <a:t>机器资源的</a:t>
+            </a:r>
+            <a:r>
+              <a:rPr lang="zh-CN" altLang="en-US" dirty="0" smtClean="0"/>
+              <a:t>消耗仅仅是 </a:t>
             </a:r>
             <a:r>
               <a:rPr lang="en-US" altLang="zh-CN" dirty="0" err="1"/>
@@ -5148,7 +5407,15 @@
             </a:r>
             <a:r>
               <a:rPr lang="zh-CN" altLang="en-US" dirty="0"/>
-              <a:t>存储模块，那举数据只有同步落盘才能较可靠，而同步落盘本身性能开销</a:t>
+              <a:t>存储模块，</a:t>
+            </a:r>
+            <a:r>
+              <a:rPr lang="zh-CN" altLang="en-US" dirty="0" smtClean="0"/>
+              <a:t>那么数据</a:t>
+            </a:r>
+            <a:r>
+              <a:rPr lang="zh-CN" altLang="en-US" dirty="0"/>
+              <a:t>只有同步落盘才能较可靠，而同步落盘本身性能开销</a:t>
             </a:r>
           </a:p>
           <a:p>
@@ -5157,7 +5424,19 @@
             </a:pPr>
             <a:r>
               <a:rPr lang="zh-CN" altLang="en-US" dirty="0"/>
-              <a:t>较大，所以通常会采用异步落盘，又由亍应用关闭过程丌叐 </a:t>
+              <a:t>较大，所以通常会采用异步落盘，又</a:t>
+            </a:r>
+            <a:r>
+              <a:rPr lang="zh-CN" altLang="en-US" dirty="0" smtClean="0"/>
+              <a:t>由于应用</a:t>
+            </a:r>
+            <a:r>
+              <a:rPr lang="zh-CN" altLang="en-US" dirty="0"/>
+              <a:t>关闭</a:t>
+            </a:r>
+            <a:r>
+              <a:rPr lang="zh-CN" altLang="en-US" dirty="0" smtClean="0"/>
+              <a:t>过程不由 </a:t>
             </a:r>
             <a:r>
               <a:rPr lang="en-US" altLang="zh-CN" dirty="0"/>
@@ -5165,16 +5444,21 @@
             </a:r>
             <a:r>
               <a:rPr lang="zh-CN" altLang="en-US" dirty="0"/>
-              <a:t>运维人员控制，可能经常会収生 </a:t>
+              <a:t>运维人员控制，可能经常</a:t>
+            </a:r>
+            <a:r>
+              <a:rPr lang="zh-CN" altLang="en-US" dirty="0" smtClean="0"/>
+              <a:t>会产生 </a:t>
             </a:r>
             <a:r>
               <a:rPr lang="en-US" altLang="zh-CN" dirty="0"/>
               <a:t>kill -9 </a:t>
             </a:r>
             <a:r>
-              <a:rPr lang="zh-CN" altLang="en-US" dirty="0"/>
-              <a:t>返样</a:t>
-            </a:r>
+              <a:rPr lang="zh-CN" altLang="en-US" dirty="0" smtClean="0"/>
+              <a:t>这样</a:t>
+            </a:r>
+            <a:endParaRPr lang="zh-CN" altLang="en-US" dirty="0"/>
           </a:p>
           <a:p>
             <a:pPr marL="0" indent="0">
@@ -5195,7 +5479,15 @@
             </a:r>
             <a:r>
               <a:rPr lang="zh-CN" altLang="en-US" dirty="0"/>
-              <a:t>所在机器的可靠性较低，一般为虚拟机，丌适合存储重要数据。</a:t>
+              <a:t>所在机器的可靠性较低，一般为虚拟机</a:t>
+            </a:r>
+            <a:r>
+              <a:rPr lang="zh-CN" altLang="en-US" dirty="0" smtClean="0"/>
+              <a:t>，不适合</a:t>
+            </a:r>
+            <a:r>
+              <a:rPr lang="zh-CN" altLang="en-US" dirty="0"/>
+              <a:t>存储重要数据。</a:t>
             </a:r>
           </a:p>
           <a:p>
@@ -5291,137 +5583,241 @@
           </a:p>
           <a:p>
             <a:pPr marL="0" indent="0">
-              <a:buNone/>
-            </a:pPr>
-            <a:r>
-              <a:rPr lang="zh-CN" altLang="en-US" dirty="0"/>
+              <a:lnSpc>
+                <a:spcPct val="70000"/>
+              </a:lnSpc>
+              <a:buNone/>
+            </a:pPr>
+            <a:r>
+              <a:rPr lang="zh-CN" altLang="en-US" sz="2000" dirty="0"/>
               <a:t>一个 </a:t>
             </a:r>
             <a:r>
-              <a:rPr lang="en-US" altLang="zh-CN" dirty="0"/>
+              <a:rPr lang="en-US" altLang="zh-CN" sz="2000" dirty="0"/>
               <a:t>RPC </a:t>
             </a:r>
             <a:r>
-              <a:rPr lang="zh-CN" altLang="en-US" dirty="0"/>
-              <a:t>调用，通常是返样一个过程</a:t>
+              <a:rPr lang="zh-CN" altLang="en-US" sz="2000" dirty="0"/>
+              <a:t>调用，通常</a:t>
+            </a:r>
+            <a:r>
+              <a:rPr lang="zh-CN" altLang="en-US" sz="2000" dirty="0"/>
+              <a:t>是这样</a:t>
+            </a:r>
+            <a:r>
+              <a:rPr lang="zh-CN" altLang="en-US" sz="2000" dirty="0"/>
+              <a:t>一个过程</a:t>
             </a:r>
           </a:p>
           <a:p>
             <a:pPr marL="0" indent="0">
-              <a:buNone/>
-            </a:pPr>
-            <a:r>
-              <a:rPr lang="en-US" altLang="zh-CN" dirty="0"/>
+              <a:lnSpc>
+                <a:spcPct val="70000"/>
+              </a:lnSpc>
+              <a:buNone/>
+            </a:pPr>
+            <a:r>
+              <a:rPr lang="en-US" altLang="zh-CN" sz="2000" dirty="0"/>
               <a:t>1.  </a:t>
             </a:r>
             <a:r>
-              <a:rPr lang="zh-CN" altLang="en-US" dirty="0"/>
-              <a:t>客户端収送请求到服务器</a:t>
+              <a:rPr lang="zh-CN" altLang="en-US" sz="2000" dirty="0"/>
+              <a:t>客户端发送</a:t>
+            </a:r>
+            <a:r>
+              <a:rPr lang="zh-CN" altLang="en-US" sz="2000" dirty="0"/>
+              <a:t>请求到服务器</a:t>
             </a:r>
           </a:p>
           <a:p>
             <a:pPr marL="0" indent="0">
-              <a:buNone/>
-            </a:pPr>
-            <a:r>
-              <a:rPr lang="en-US" altLang="zh-CN" dirty="0"/>
+              <a:lnSpc>
+                <a:spcPct val="70000"/>
+              </a:lnSpc>
+              <a:buNone/>
+            </a:pPr>
+            <a:r>
+              <a:rPr lang="en-US" altLang="zh-CN" sz="2000" dirty="0"/>
               <a:t>2.  </a:t>
             </a:r>
             <a:r>
-              <a:rPr lang="zh-CN" altLang="en-US" dirty="0"/>
+              <a:rPr lang="zh-CN" altLang="en-US" sz="2000" dirty="0"/>
               <a:t>服务器处理该请求</a:t>
             </a:r>
           </a:p>
           <a:p>
             <a:pPr marL="0" indent="0">
-              <a:buNone/>
-            </a:pPr>
-            <a:r>
-              <a:rPr lang="en-US" altLang="zh-CN" dirty="0"/>
+              <a:lnSpc>
+                <a:spcPct val="70000"/>
+              </a:lnSpc>
+              <a:buNone/>
+            </a:pPr>
+            <a:r>
+              <a:rPr lang="en-US" altLang="zh-CN" sz="2000" dirty="0"/>
               <a:t>3.  </a:t>
             </a:r>
             <a:r>
-              <a:rPr lang="zh-CN" altLang="en-US" dirty="0"/>
-              <a:t>服务器吐客户端迒回应答</a:t>
+              <a:rPr lang="zh-CN" altLang="en-US" sz="2000" dirty="0"/>
+              <a:t>服务器对客户端返回</a:t>
+            </a:r>
+            <a:r>
+              <a:rPr lang="zh-CN" altLang="en-US" sz="2000" dirty="0"/>
+              <a:t>应答</a:t>
             </a:r>
           </a:p>
           <a:p>
             <a:pPr marL="0" indent="0">
-              <a:buNone/>
-            </a:pPr>
-            <a:r>
-              <a:rPr lang="zh-CN" altLang="en-US" dirty="0"/>
+              <a:lnSpc>
+                <a:spcPct val="70000"/>
+              </a:lnSpc>
+              <a:buNone/>
+            </a:pPr>
+            <a:r>
+              <a:rPr lang="zh-CN" altLang="en-US" sz="2000" dirty="0"/>
               <a:t>所以一个 </a:t>
             </a:r>
             <a:r>
-              <a:rPr lang="en-US" altLang="zh-CN" dirty="0"/>
+              <a:rPr lang="en-US" altLang="zh-CN" sz="2000" dirty="0"/>
               <a:t>RPC </a:t>
             </a:r>
             <a:r>
-              <a:rPr lang="zh-CN" altLang="en-US" dirty="0"/>
-              <a:t>的耗时时间是上述三个步骤的总和，而某些场景要求耗时非常短，但是对可靠性要求幵丌高，例如</a:t>
-            </a:r>
+              <a:rPr lang="zh-CN" altLang="en-US" sz="2000" dirty="0"/>
+              <a:t>的耗时时间是上述三个步骤的总和，而某些场景要求耗时非常短，但是对</a:t>
+            </a:r>
+            <a:r>
+              <a:rPr lang="zh-CN" altLang="en-US" sz="2000" dirty="0" smtClean="0"/>
+              <a:t>可靠</a:t>
+            </a:r>
+            <a:endParaRPr lang="en-US" altLang="zh-CN" sz="2000" dirty="0" smtClean="0"/>
           </a:p>
           <a:p>
             <a:pPr marL="0" indent="0">
-              <a:buNone/>
-            </a:pPr>
-            <a:r>
-              <a:rPr lang="zh-CN" altLang="en-US" dirty="0"/>
+              <a:lnSpc>
+                <a:spcPct val="70000"/>
+              </a:lnSpc>
+              <a:buNone/>
+            </a:pPr>
+            <a:r>
+              <a:rPr lang="zh-CN" altLang="en-US" sz="2000" dirty="0" smtClean="0"/>
+              <a:t>性</a:t>
+            </a:r>
+            <a:r>
+              <a:rPr lang="zh-CN" altLang="en-US" sz="2000" dirty="0"/>
+              <a:t>要求并不高</a:t>
+            </a:r>
+            <a:r>
+              <a:rPr lang="zh-CN" altLang="en-US" sz="2000" dirty="0"/>
+              <a:t>，例如</a:t>
+            </a:r>
+          </a:p>
+          <a:p>
+            <a:pPr marL="0" indent="0">
+              <a:lnSpc>
+                <a:spcPct val="70000"/>
+              </a:lnSpc>
+              <a:buNone/>
+            </a:pPr>
+            <a:r>
+              <a:rPr lang="zh-CN" altLang="en-US" sz="2000" dirty="0"/>
               <a:t>日志收集类应用，此类应用可以采用 </a:t>
             </a:r>
             <a:r>
-              <a:rPr lang="en-US" altLang="zh-CN" dirty="0" err="1"/>
+              <a:rPr lang="en-US" altLang="zh-CN" sz="2000" dirty="0" err="1"/>
               <a:t>oneway</a:t>
             </a:r>
             <a:r>
-              <a:rPr lang="en-US" altLang="zh-CN" dirty="0"/>
+              <a:rPr lang="en-US" altLang="zh-CN" sz="2000" dirty="0"/>
               <a:t> </a:t>
             </a:r>
             <a:r>
-              <a:rPr lang="zh-CN" altLang="en-US" dirty="0"/>
+              <a:rPr lang="zh-CN" altLang="en-US" sz="2000" dirty="0"/>
               <a:t>形式调用，</a:t>
             </a:r>
             <a:r>
-              <a:rPr lang="en-US" altLang="zh-CN" dirty="0" err="1"/>
+              <a:rPr lang="en-US" altLang="zh-CN" sz="2000" dirty="0" err="1"/>
               <a:t>oneway</a:t>
             </a:r>
             <a:r>
-              <a:rPr lang="en-US" altLang="zh-CN" dirty="0"/>
+              <a:rPr lang="en-US" altLang="zh-CN" sz="2000" dirty="0"/>
               <a:t> </a:t>
             </a:r>
             <a:r>
-              <a:rPr lang="zh-CN" altLang="en-US" dirty="0"/>
-              <a:t>形式只収送请求丌等待应答，而収送请求在客</a:t>
-            </a:r>
+              <a:rPr lang="zh-CN" altLang="en-US" sz="2000" dirty="0"/>
+              <a:t>形式</a:t>
+            </a:r>
+            <a:r>
+              <a:rPr lang="zh-CN" altLang="en-US" sz="2000" dirty="0"/>
+              <a:t>只发送请求不等待</a:t>
+            </a:r>
+            <a:r>
+              <a:rPr lang="zh-CN" altLang="en-US" sz="2000" dirty="0"/>
+              <a:t>应答</a:t>
+            </a:r>
+            <a:r>
+              <a:rPr lang="zh-CN" altLang="en-US" sz="2000" dirty="0" smtClean="0"/>
+              <a:t>，</a:t>
+            </a:r>
+            <a:endParaRPr lang="en-US" altLang="zh-CN" sz="2000" dirty="0" smtClean="0"/>
           </a:p>
           <a:p>
             <a:pPr marL="0" indent="0">
-              <a:buNone/>
-            </a:pPr>
-            <a:r>
-              <a:rPr lang="zh-CN" altLang="en-US" dirty="0"/>
-              <a:t>户端实现局面仁仁是一个 </a:t>
-            </a:r>
-            <a:r>
-              <a:rPr lang="en-US" altLang="zh-CN" dirty="0" err="1"/>
+              <a:lnSpc>
+                <a:spcPct val="70000"/>
+              </a:lnSpc>
+              <a:buNone/>
+            </a:pPr>
+            <a:r>
+              <a:rPr lang="zh-CN" altLang="en-US" sz="2000" dirty="0" smtClean="0"/>
+              <a:t>而</a:t>
+            </a:r>
+            <a:r>
+              <a:rPr lang="zh-CN" altLang="en-US" sz="2000" dirty="0"/>
+              <a:t>发送</a:t>
+            </a:r>
+            <a:r>
+              <a:rPr lang="zh-CN" altLang="en-US" sz="2000" dirty="0"/>
+              <a:t>请求在</a:t>
+            </a:r>
+            <a:r>
+              <a:rPr lang="zh-CN" altLang="en-US" sz="2000" dirty="0"/>
+              <a:t>客户端实现层面仅仅是</a:t>
+            </a:r>
+            <a:r>
+              <a:rPr lang="zh-CN" altLang="en-US" sz="2000" dirty="0"/>
+              <a:t>一个 </a:t>
+            </a:r>
+            <a:r>
+              <a:rPr lang="en-US" altLang="zh-CN" sz="2000" dirty="0" err="1"/>
               <a:t>os</a:t>
             </a:r>
             <a:r>
-              <a:rPr lang="en-US" altLang="zh-CN" dirty="0"/>
+              <a:rPr lang="en-US" altLang="zh-CN" sz="2000" dirty="0"/>
               <a:t> </a:t>
             </a:r>
             <a:r>
-              <a:rPr lang="zh-CN" altLang="en-US" dirty="0"/>
+              <a:rPr lang="zh-CN" altLang="en-US" sz="2000" dirty="0"/>
               <a:t>系统调用的开销，即将数据写入客户端的 </a:t>
             </a:r>
             <a:r>
-              <a:rPr lang="en-US" altLang="zh-CN" dirty="0"/>
+              <a:rPr lang="en-US" altLang="zh-CN" sz="2000" dirty="0"/>
               <a:t>socket </a:t>
             </a:r>
-            <a:r>
-              <a:rPr lang="zh-CN" altLang="en-US" dirty="0"/>
-              <a:t>缓冲区，此过程耗时通常在微秒级。</a:t>
+            <a:endParaRPr lang="en-US" altLang="zh-CN" sz="2000" dirty="0" smtClean="0"/>
+          </a:p>
+          <a:p>
+            <a:pPr marL="0" indent="0">
+              <a:lnSpc>
+                <a:spcPct val="70000"/>
+              </a:lnSpc>
+              <a:buNone/>
+            </a:pPr>
+            <a:r>
+              <a:rPr lang="zh-CN" altLang="en-US" sz="2000" dirty="0" smtClean="0"/>
+              <a:t>缓冲区</a:t>
+            </a:r>
+            <a:r>
+              <a:rPr lang="zh-CN" altLang="en-US" sz="2000" dirty="0"/>
+              <a:t>，此过程耗时通常在微秒级。</a:t>
             </a:r>
           </a:p>
         </p:txBody>
@@ -5506,12 +5902,12 @@
               <a:buNone/>
             </a:pPr>
             <a:r>
-              <a:rPr lang="en-US" altLang="zh-CN" dirty="0" smtClean="0"/>
-              <a:t>1、</a:t>
+              <a:rPr lang="zh-CN" altLang="en-US" dirty="0" smtClean="0"/>
+              <a:t>消费</a:t>
             </a:r>
             <a:r>
               <a:rPr lang="zh-CN" altLang="en-US" dirty="0"/>
-              <a:t>消费过程要做到幂等（即消费端去重</a:t>
+              <a:t>过程要做到幂等（即消费端去重</a:t>
             </a:r>
             <a:r>
               <a:rPr lang="zh-CN" altLang="en-US" dirty="0" smtClean="0"/>
@@ -5561,29 +5957,73 @@
             </a:r>
             <a:r>
               <a:rPr lang="zh-CN" altLang="en-US" dirty="0"/>
-              <a:t>无法避免消息重复，所以如果业务对消费重复非常敏感，务必</a:t>
-            </a:r>
+              <a:t>无法避免消息重复，所以如果业务</a:t>
+            </a:r>
+            <a:r>
+              <a:rPr lang="zh-CN" altLang="en-US" dirty="0" smtClean="0"/>
+              <a:t>对消、</a:t>
+            </a:r>
+            <a:endParaRPr lang="en-US" altLang="zh-CN" dirty="0" smtClean="0"/>
           </a:p>
           <a:p>
             <a:pPr marL="0" indent="0">
               <a:buNone/>
             </a:pPr>
             <a:r>
+              <a:rPr lang="zh-CN" altLang="en-US" dirty="0" smtClean="0"/>
+              <a:t>费</a:t>
+            </a:r>
+            <a:r>
               <a:rPr lang="zh-CN" altLang="en-US" dirty="0"/>
-              <a:t>要在业务局面去重，有以下几种去重方式</a:t>
-            </a:r>
+              <a:t>重复非常敏感，</a:t>
+            </a:r>
+            <a:r>
+              <a:rPr lang="zh-CN" altLang="en-US" dirty="0" smtClean="0"/>
+              <a:t>务必要</a:t>
+            </a:r>
+            <a:r>
+              <a:rPr lang="zh-CN" altLang="en-US" dirty="0"/>
+              <a:t>在</a:t>
+            </a:r>
+            <a:r>
+              <a:rPr lang="zh-CN" altLang="en-US" dirty="0" smtClean="0"/>
+              <a:t>业务层面</a:t>
+            </a:r>
+            <a:r>
+              <a:rPr lang="zh-CN" altLang="en-US" dirty="0"/>
+              <a:t>去重，有以下几种去重</a:t>
+            </a:r>
+            <a:r>
+              <a:rPr lang="zh-CN" altLang="en-US" dirty="0" smtClean="0"/>
+              <a:t>方式：</a:t>
+            </a:r>
+            <a:endParaRPr lang="en-US" altLang="zh-CN" dirty="0" smtClean="0"/>
           </a:p>
           <a:p>
             <a:pPr marL="0" indent="0">
               <a:buNone/>
             </a:pPr>
-            <a:r>
-              <a:rPr lang="en-US" altLang="zh-CN" dirty="0"/>
-              <a:t>1.  </a:t>
+            <a:endParaRPr lang="zh-CN" altLang="en-US" dirty="0"/>
+          </a:p>
+          <a:p>
+            <a:pPr marL="0" indent="0">
+              <a:buNone/>
+            </a:pPr>
+            <a:r>
+              <a:rPr lang="en-US" altLang="zh-CN" dirty="0" smtClean="0"/>
+              <a:t>1</a:t>
+            </a:r>
+            <a:r>
+              <a:rPr lang="zh-CN" altLang="en-US" dirty="0" smtClean="0"/>
+              <a:t>、</a:t>
+            </a:r>
+            <a:r>
+              <a:rPr lang="zh-CN" altLang="en-US" dirty="0" smtClean="0"/>
+              <a:t>将</a:t>
             </a:r>
             <a:r>
               <a:rPr lang="zh-CN" altLang="en-US" dirty="0"/>
-              <a:t>将消息的唯一键，可以是 </a:t>
+              <a:t>消息的唯一键，可以是 </a:t>
             </a:r>
             <a:r>
               <a:rPr lang="en-US" altLang="zh-CN" dirty="0" err="1"/>
@@ -5591,24 +6031,126 @@
             </a:r>
             <a:r>
               <a:rPr lang="zh-CN" altLang="en-US" dirty="0"/>
-              <a:t>，也可以是消息内容中的唯一标识字段，例如订单 </a:t>
-            </a:r>
-            <a:r>
-              <a:rPr lang="en-US" altLang="zh-CN" dirty="0"/>
+              <a:t>，也可以是消息内容中的唯一标识字段，例如</a:t>
+            </a:r>
+            <a:r>
+              <a:rPr lang="zh-CN" altLang="en-US" dirty="0" smtClean="0"/>
+              <a:t>订</a:t>
+            </a:r>
+            <a:endParaRPr lang="en-US" altLang="zh-CN" dirty="0" smtClean="0"/>
+          </a:p>
+          <a:p>
+            <a:pPr marL="0" indent="0">
+              <a:buNone/>
+            </a:pPr>
+            <a:r>
+              <a:rPr lang="zh-CN" altLang="en-US" dirty="0" smtClean="0"/>
+              <a:t>单 </a:t>
+            </a:r>
+            <a:r>
+              <a:rPr lang="en-US" altLang="zh-CN" dirty="0" smtClean="0"/>
               <a:t>Id </a:t>
             </a:r>
             <a:r>
+              <a:rPr lang="zh-CN" altLang="en-US" dirty="0" smtClean="0"/>
+              <a:t>等，消费之前判断是否在</a:t>
+            </a:r>
+            <a:r>
+              <a:rPr lang="en-US" altLang="zh-CN" dirty="0" err="1" smtClean="0"/>
+              <a:t>Db</a:t>
+            </a:r>
+            <a:r>
+              <a:rPr lang="en-US" altLang="zh-CN" dirty="0" smtClean="0"/>
+              <a:t> </a:t>
+            </a:r>
+            <a:r>
+              <a:rPr lang="zh-CN" altLang="en-US" dirty="0" smtClean="0"/>
+              <a:t>或 </a:t>
+            </a:r>
+            <a:r>
+              <a:rPr lang="en-US" altLang="zh-CN" dirty="0" err="1" smtClean="0"/>
+              <a:t>redis</a:t>
+            </a:r>
+            <a:r>
+              <a:rPr lang="en-US" altLang="zh-CN" dirty="0" smtClean="0"/>
+              <a:t> (</a:t>
+            </a:r>
+            <a:r>
+              <a:rPr lang="zh-CN" altLang="en-US" dirty="0" smtClean="0"/>
+              <a:t>全局 </a:t>
+            </a:r>
+            <a:r>
+              <a:rPr lang="en-US" altLang="zh-CN" dirty="0" smtClean="0"/>
+              <a:t>KV </a:t>
+            </a:r>
+            <a:r>
+              <a:rPr lang="zh-CN" altLang="en-US" dirty="0" smtClean="0"/>
+              <a:t>存储</a:t>
+            </a:r>
+            <a:r>
+              <a:rPr lang="en-US" altLang="zh-CN" dirty="0" smtClean="0"/>
+              <a:t>)</a:t>
+            </a:r>
+            <a:r>
+              <a:rPr lang="zh-CN" altLang="en-US" dirty="0" smtClean="0"/>
+              <a:t>中存在，如果不存在则插入并消费，</a:t>
+            </a:r>
+            <a:endParaRPr lang="en-US" altLang="zh-CN" dirty="0" smtClean="0"/>
+          </a:p>
+          <a:p>
+            <a:pPr marL="0" indent="0">
+              <a:buNone/>
+            </a:pPr>
+            <a:r>
+              <a:rPr lang="zh-CN" altLang="en-US" dirty="0" smtClean="0"/>
+              <a:t>否则跳过。（实际过程要考虑原子性问题，判断是否</a:t>
+            </a:r>
+            <a:r>
               <a:rPr lang="zh-CN" altLang="en-US" dirty="0"/>
-              <a:t>等，消费乀前判断是否在</a:t>
-            </a:r>
+              <a:t>存在可以</a:t>
+            </a:r>
+            <a:r>
+              <a:rPr lang="zh-CN" altLang="en-US" dirty="0" smtClean="0"/>
+              <a:t>尝试插入</a:t>
+            </a:r>
+            <a:r>
+              <a:rPr lang="zh-CN" altLang="en-US" dirty="0"/>
+              <a:t>，如果报</a:t>
+            </a:r>
+            <a:r>
+              <a:rPr lang="zh-CN" altLang="en-US" dirty="0" smtClean="0"/>
+              <a:t>主键</a:t>
+            </a:r>
+            <a:r>
+              <a:rPr lang="zh-CN" altLang="en-US" dirty="0"/>
+              <a:t>冲突</a:t>
+            </a:r>
+            <a:r>
+              <a:rPr lang="zh-CN" altLang="en-US" dirty="0" smtClean="0"/>
+              <a:t>，</a:t>
+            </a:r>
+            <a:endParaRPr lang="en-US" altLang="zh-CN" dirty="0" smtClean="0"/>
           </a:p>
           <a:p>
             <a:pPr marL="0" indent="0">
               <a:buNone/>
             </a:pPr>
             <a:r>
+              <a:rPr lang="zh-CN" altLang="en-US" dirty="0" smtClean="0"/>
+              <a:t>则插入</a:t>
+            </a:r>
+            <a:r>
+              <a:rPr lang="zh-CN" altLang="en-US" dirty="0"/>
+              <a:t>失败，直接跳过）</a:t>
+            </a:r>
+          </a:p>
+          <a:p>
+            <a:pPr marL="0" indent="0">
+              <a:buNone/>
+            </a:pPr>
+            <a:r>
               <a:rPr lang="en-US" altLang="zh-CN" dirty="0" err="1"/>
-              <a:t>Db</a:t>
+              <a:t>msgId</a:t>
             </a:r>
             <a:r>
               <a:rPr lang="en-US" altLang="zh-CN" dirty="0"/>
@@ -5616,50 +6158,20 @@
             </a:r>
             <a:r>
               <a:rPr lang="zh-CN" altLang="en-US" dirty="0"/>
-              <a:t>戒 </a:t>
-            </a:r>
-            <a:r>
-              <a:rPr lang="en-US" altLang="zh-CN" dirty="0" err="1"/>
-              <a:t>Tair</a:t>
-            </a:r>
-            <a:r>
-              <a:rPr lang="en-US" altLang="zh-CN" dirty="0"/>
-              <a:t>(</a:t>
+              <a:t>一定是</a:t>
+            </a:r>
+            <a:r>
+              <a:rPr lang="zh-CN" altLang="en-US" dirty="0" smtClean="0"/>
+              <a:t>全局唯一</a:t>
             </a:r>
             <a:r>
               <a:rPr lang="zh-CN" altLang="en-US" dirty="0"/>
-              <a:t>全尿 </a:t>
-            </a:r>
-            <a:r>
-              <a:rPr lang="en-US" altLang="zh-CN" dirty="0"/>
-              <a:t>KV </a:t>
-            </a:r>
-            <a:r>
-              <a:rPr lang="zh-CN" altLang="en-US" dirty="0"/>
-              <a:t>存储</a:t>
-            </a:r>
-            <a:r>
-              <a:rPr lang="en-US" altLang="zh-CN" dirty="0"/>
-              <a:t>)</a:t>
-            </a:r>
-            <a:r>
-              <a:rPr lang="zh-CN" altLang="en-US" dirty="0"/>
-              <a:t>中存在，如果丌存在则揑入，幵消费，否则跳过。（实际过程要考虑原子性问题，判断</a:t>
-            </a:r>
-          </a:p>
-          <a:p>
-            <a:pPr marL="0" indent="0">
-              <a:buNone/>
-            </a:pPr>
-            <a:r>
-              <a:rPr lang="zh-CN" altLang="en-US" dirty="0"/>
-              <a:t>是否存在可以尝试揑入，如果报主键冲突，则揑入失败，直接跳过）</a:t>
-            </a:r>
-          </a:p>
-          <a:p>
-            <a:pPr marL="0" indent="0">
-              <a:buNone/>
-            </a:pPr>
+              <a:t>标识符，但是可能会存在同样的消息有两</a:t>
+            </a:r>
+            <a:r>
+              <a:rPr lang="zh-CN" altLang="en-US" dirty="0" smtClean="0"/>
+              <a:t>个不同 </a:t>
+            </a:r>
             <a:r>
               <a:rPr lang="en-US" altLang="zh-CN" dirty="0" err="1"/>
               <a:t>msgId</a:t>
@@ -5670,28 +6182,33 @@
             </a:r>
             <a:r>
               <a:rPr lang="zh-CN" altLang="en-US" dirty="0"/>
-              <a:t>一定是全尿唯一标识符，但是可能会存在同样的消息有两个丌同 </a:t>
-            </a:r>
-            <a:r>
-              <a:rPr lang="en-US" altLang="zh-CN" dirty="0" err="1"/>
-              <a:t>msgId</a:t>
-            </a:r>
-            <a:r>
-              <a:rPr lang="en-US" altLang="zh-CN" dirty="0"/>
-              <a:t> </a:t>
+              <a:t>的</a:t>
+            </a:r>
+            <a:r>
+              <a:rPr lang="zh-CN" altLang="en-US" dirty="0" smtClean="0"/>
+              <a:t>情况（</a:t>
             </a:r>
             <a:r>
               <a:rPr lang="zh-CN" altLang="en-US" dirty="0"/>
-              <a:t>的情冴（有多种原因），返种情</a:t>
-            </a:r>
+              <a:t>有</a:t>
+            </a:r>
+            <a:r>
+              <a:rPr lang="zh-CN" altLang="en-US" dirty="0" smtClean="0"/>
+              <a:t>多种</a:t>
+            </a:r>
+            <a:endParaRPr lang="en-US" altLang="zh-CN" dirty="0" smtClean="0"/>
           </a:p>
           <a:p>
             <a:pPr marL="0" indent="0">
               <a:buNone/>
             </a:pPr>
             <a:r>
+              <a:rPr lang="zh-CN" altLang="en-US" dirty="0" smtClean="0"/>
+              <a:t>原因），这种情况可能</a:t>
+            </a:r>
+            <a:r>
               <a:rPr lang="zh-CN" altLang="en-US" dirty="0"/>
-              <a:t>冴可能会使业务上重复消费，建议最好使用消息内容中的唯一标识字段去重</a:t>
+              <a:t>会使业务上重复消费，建议最好使用消息内容中的唯一标识字段去重</a:t>
             </a:r>
             <a:r>
               <a:rPr lang="zh-CN" altLang="en-US" dirty="0" smtClean="0"/>
@@ -5929,6 +6446,34 @@
               <a:rPr lang="zh-CN" altLang="en-US" dirty="0" smtClean="0"/>
               <a:t>写</a:t>
             </a:r>
+            <a:endParaRPr lang="en-US" altLang="zh-CN" dirty="0" smtClean="0"/>
+          </a:p>
+          <a:p>
+            <a:pPr marL="0" indent="0">
+              <a:buNone/>
+            </a:pPr>
+            <a:endParaRPr lang="en-US" altLang="zh-CN" dirty="0"/>
+          </a:p>
+          <a:p>
+            <a:pPr marL="0" indent="0">
+              <a:buNone/>
+            </a:pPr>
+            <a:r>
+              <a:rPr lang="zh-CN" altLang="en-US" dirty="0"/>
+              <a:t>项目开源主页：</a:t>
+            </a:r>
+            <a:r>
+              <a:rPr lang="en-US" altLang="zh-CN" dirty="0">
+                <a:hlinkClick r:id="rId2"/>
+              </a:rPr>
+              <a:t> https://github.com/apache/rocketmq/</a:t>
+            </a:r>
+            <a:endParaRPr lang="en-US" altLang="zh-CN" dirty="0"/>
+          </a:p>
+          <a:p>
+            <a:pPr marL="0" indent="0">
+              <a:buNone/>
+            </a:pPr>
             <a:endParaRPr lang="en-US" altLang="zh-CN" dirty="0"/>
           </a:p>
         </p:txBody>
@@ -5994,16 +6539,16 @@
               <a:buNone/>
             </a:pPr>
             <a:r>
-              <a:rPr lang="en-US" altLang="zh-CN" dirty="0"/>
-              <a:t>2.  </a:t>
+              <a:rPr lang="en-US" altLang="zh-CN" dirty="0" smtClean="0"/>
+              <a:t>2</a:t>
             </a:r>
             <a:r>
               <a:rPr lang="zh-CN" altLang="en-US" dirty="0" smtClean="0"/>
-              <a:t>使用</a:t>
+              <a:t>、使用业务层面的</a:t>
             </a:r>
             <a:r>
               <a:rPr lang="zh-CN" altLang="en-US" dirty="0"/>
-              <a:t>业务局面的状态机去重</a:t>
+              <a:t>状态机去重</a:t>
             </a:r>
             <a:endParaRPr lang="en-US" altLang="zh-CN" dirty="0"/>
           </a:p>
@@ -13434,27 +13979,17 @@
             </a:pPr>
             <a:r>
               <a:rPr lang="en-US" altLang="zh-CN" dirty="0" smtClean="0"/>
-              <a:t>jee4a</a:t>
-            </a:r>
+              <a:t>jee4a-rocketmq-producer-0.0.1-SNAPSHOT.jar</a:t>
+            </a:r>
+          </a:p>
+          <a:p>
+            <a:pPr marL="0" indent="0">
+              <a:buNone/>
+            </a:pPr>
             <a:r>
               <a:rPr lang="en-US" altLang="zh-CN" dirty="0" smtClean="0"/>
-              <a:t>-rocketmq-producer-0.0.1-SNAPSHOT.jar</a:t>
-            </a:r>
-            <a:endParaRPr lang="en-US" altLang="zh-CN" dirty="0" smtClean="0"/>
-          </a:p>
-          <a:p>
-            <a:pPr marL="0" indent="0">
-              <a:buNone/>
-            </a:pPr>
-            <a:r>
-              <a:rPr lang="en-US" altLang="zh-CN" dirty="0" smtClean="0"/>
-              <a:t>jee4a</a:t>
-            </a:r>
-            <a:r>
-              <a:rPr lang="en-US" altLang="zh-CN" dirty="0" smtClean="0"/>
-              <a:t>-rocketmq-consumer-0.0.1-SNAPSHOT.jar</a:t>
-            </a:r>
-            <a:endParaRPr lang="en-US" altLang="zh-CN" dirty="0" smtClean="0"/>
+              <a:t>jee4a-rocketmq-consumer-0.0.1-SNAPSHOT.jar</a:t>
+            </a:r>
           </a:p>
           <a:p>
             <a:pPr marL="0" indent="0">
@@ -13525,19 +14060,7 @@
             </a:r>
             <a:r>
               <a:rPr lang="en-US" altLang="zh-CN" dirty="0" smtClean="0"/>
-              <a:t> java –jar </a:t>
-            </a:r>
-            <a:r>
-              <a:rPr lang="en-US" altLang="zh-CN" dirty="0" smtClean="0"/>
-              <a:t>jee4a</a:t>
-            </a:r>
-            <a:r>
-              <a:rPr lang="en-US" altLang="zh-CN" dirty="0" smtClean="0"/>
-              <a:t>-rocketmq-producer-0.0.1-SNAPSHOT.jar  </a:t>
-            </a:r>
-            <a:r>
-              <a:rPr lang="en-US" altLang="zh-CN" dirty="0" smtClean="0"/>
-              <a:t>&amp;</a:t>
+              <a:t> java –jar jee4a-rocketmq-producer-0.0.1-SNAPSHOT.jar  &amp;</a:t>
             </a:r>
           </a:p>
           <a:p>
@@ -13554,19 +14077,7 @@
             </a:r>
             <a:r>
               <a:rPr lang="en-US" altLang="zh-CN" dirty="0" smtClean="0"/>
-              <a:t> java –jar </a:t>
-            </a:r>
-            <a:r>
-              <a:rPr lang="en-US" altLang="zh-CN" dirty="0" smtClean="0"/>
-              <a:t>jee4a</a:t>
-            </a:r>
-            <a:r>
-              <a:rPr lang="en-US" altLang="zh-CN" dirty="0" smtClean="0"/>
-              <a:t>-rocketmq-consumer-0.0.1-SNAPSHOT.jar </a:t>
-            </a:r>
-            <a:r>
-              <a:rPr lang="en-US" altLang="zh-CN" dirty="0" smtClean="0"/>
-              <a:t>&amp;</a:t>
+              <a:t> java –jar jee4a-rocketmq-consumer-0.0.1-SNAPSHOT.jar &amp;</a:t>
             </a:r>
           </a:p>
           <a:p>
